--- a/presentation.pptx
+++ b/presentation.pptx
@@ -111,6 +111,11 @@
       </a:defRPr>
     </a:lvl9pPr>
   </p:defaultTextStyle>
+  <p:extLst>
+    <p:ext uri="{EFAFB233-063F-42B5-8137-9DF3F51BA10A}">
+      <p15:sldGuideLst xmlns:p15="http://schemas.microsoft.com/office/powerpoint/2012/main"/>
+    </p:ext>
+  </p:extLst>
 </p:presentation>
 </file>
 
@@ -196,7 +201,7 @@
           <a:p>
             <a:fld id="{8FC370C7-87E5-4295-81AE-C77889B0B5D0}" type="datetimeFigureOut">
               <a:rPr lang="fr-FR" smtClean="0"/>
-              <a:t>17/10/2024</a:t>
+              <a:t>18/10/2024</a:t>
             </a:fld>
             <a:endParaRPr lang="fr-FR"/>
           </a:p>
@@ -610,7 +615,7 @@
           <a:p>
             <a:fld id="{DF56D562-F639-4272-997E-D222AF1CF417}" type="datetimeFigureOut">
               <a:rPr lang="fr-FR" smtClean="0"/>
-              <a:t>17/10/2024</a:t>
+              <a:t>18/10/2024</a:t>
             </a:fld>
             <a:endParaRPr lang="fr-FR"/>
           </a:p>
@@ -808,7 +813,7 @@
           <a:p>
             <a:fld id="{DF56D562-F639-4272-997E-D222AF1CF417}" type="datetimeFigureOut">
               <a:rPr lang="fr-FR" smtClean="0"/>
-              <a:t>17/10/2024</a:t>
+              <a:t>18/10/2024</a:t>
             </a:fld>
             <a:endParaRPr lang="fr-FR"/>
           </a:p>
@@ -1016,7 +1021,7 @@
           <a:p>
             <a:fld id="{DF56D562-F639-4272-997E-D222AF1CF417}" type="datetimeFigureOut">
               <a:rPr lang="fr-FR" smtClean="0"/>
-              <a:t>17/10/2024</a:t>
+              <a:t>18/10/2024</a:t>
             </a:fld>
             <a:endParaRPr lang="fr-FR"/>
           </a:p>
@@ -1214,7 +1219,7 @@
           <a:p>
             <a:fld id="{DF56D562-F639-4272-997E-D222AF1CF417}" type="datetimeFigureOut">
               <a:rPr lang="fr-FR" smtClean="0"/>
-              <a:t>17/10/2024</a:t>
+              <a:t>18/10/2024</a:t>
             </a:fld>
             <a:endParaRPr lang="fr-FR"/>
           </a:p>
@@ -1489,7 +1494,7 @@
           <a:p>
             <a:fld id="{DF56D562-F639-4272-997E-D222AF1CF417}" type="datetimeFigureOut">
               <a:rPr lang="fr-FR" smtClean="0"/>
-              <a:t>17/10/2024</a:t>
+              <a:t>18/10/2024</a:t>
             </a:fld>
             <a:endParaRPr lang="fr-FR"/>
           </a:p>
@@ -1754,7 +1759,7 @@
           <a:p>
             <a:fld id="{DF56D562-F639-4272-997E-D222AF1CF417}" type="datetimeFigureOut">
               <a:rPr lang="fr-FR" smtClean="0"/>
-              <a:t>17/10/2024</a:t>
+              <a:t>18/10/2024</a:t>
             </a:fld>
             <a:endParaRPr lang="fr-FR"/>
           </a:p>
@@ -2166,7 +2171,7 @@
           <a:p>
             <a:fld id="{DF56D562-F639-4272-997E-D222AF1CF417}" type="datetimeFigureOut">
               <a:rPr lang="fr-FR" smtClean="0"/>
-              <a:t>17/10/2024</a:t>
+              <a:t>18/10/2024</a:t>
             </a:fld>
             <a:endParaRPr lang="fr-FR"/>
           </a:p>
@@ -2307,7 +2312,7 @@
           <a:p>
             <a:fld id="{DF56D562-F639-4272-997E-D222AF1CF417}" type="datetimeFigureOut">
               <a:rPr lang="fr-FR" smtClean="0"/>
-              <a:t>17/10/2024</a:t>
+              <a:t>18/10/2024</a:t>
             </a:fld>
             <a:endParaRPr lang="fr-FR"/>
           </a:p>
@@ -2420,7 +2425,7 @@
           <a:p>
             <a:fld id="{DF56D562-F639-4272-997E-D222AF1CF417}" type="datetimeFigureOut">
               <a:rPr lang="fr-FR" smtClean="0"/>
-              <a:t>17/10/2024</a:t>
+              <a:t>18/10/2024</a:t>
             </a:fld>
             <a:endParaRPr lang="fr-FR"/>
           </a:p>
@@ -2731,7 +2736,7 @@
           <a:p>
             <a:fld id="{DF56D562-F639-4272-997E-D222AF1CF417}" type="datetimeFigureOut">
               <a:rPr lang="fr-FR" smtClean="0"/>
-              <a:t>17/10/2024</a:t>
+              <a:t>18/10/2024</a:t>
             </a:fld>
             <a:endParaRPr lang="fr-FR"/>
           </a:p>
@@ -3019,7 +3024,7 @@
           <a:p>
             <a:fld id="{DF56D562-F639-4272-997E-D222AF1CF417}" type="datetimeFigureOut">
               <a:rPr lang="fr-FR" smtClean="0"/>
-              <a:t>17/10/2024</a:t>
+              <a:t>18/10/2024</a:t>
             </a:fld>
             <a:endParaRPr lang="fr-FR"/>
           </a:p>
@@ -3260,7 +3265,7 @@
           <a:p>
             <a:fld id="{DF56D562-F639-4272-997E-D222AF1CF417}" type="datetimeFigureOut">
               <a:rPr lang="fr-FR" smtClean="0"/>
-              <a:t>17/10/2024</a:t>
+              <a:t>18/10/2024</a:t>
             </a:fld>
             <a:endParaRPr lang="fr-FR"/>
           </a:p>
@@ -4326,6 +4331,10 @@
             </a:r>
           </a:p>
           <a:p>
+            <a:pPr marL="1657350" lvl="2" indent="-742950">
+              <a:buFont typeface="Arial" panose="020B0604020202020204" pitchFamily="34" charset="0"/>
+              <a:buChar char="•"/>
+            </a:pPr>
             <a:r>
               <a:rPr lang="fr-FR" sz="3600" dirty="0">
                 <a:solidFill>
@@ -4333,10 +4342,14 @@
                 </a:solidFill>
                 <a:latin typeface="Consolas" panose="020B0609020204030204" pitchFamily="49" charset="0"/>
               </a:rPr>
-              <a:t>	- Matrices et listes</a:t>
-            </a:r>
-          </a:p>
-          <a:p>
+              <a:t>Matrices et listes</a:t>
+            </a:r>
+          </a:p>
+          <a:p>
+            <a:pPr marL="1657350" lvl="2" indent="-742950">
+              <a:buFont typeface="Arial" panose="020B0604020202020204" pitchFamily="34" charset="0"/>
+              <a:buChar char="•"/>
+            </a:pPr>
             <a:r>
               <a:rPr lang="fr-FR" sz="3600" dirty="0">
                 <a:solidFill>
@@ -4344,7 +4357,7 @@
                 </a:solidFill>
                 <a:latin typeface="Consolas" panose="020B0609020204030204" pitchFamily="49" charset="0"/>
               </a:rPr>
-              <a:t>	- Boucles (for, </a:t>
+              <a:t>Boucles (for, </a:t>
             </a:r>
             <a:r>
               <a:rPr lang="fr-FR" sz="3600" dirty="0" err="1">
@@ -4366,6 +4379,10 @@
             </a:r>
           </a:p>
           <a:p>
+            <a:pPr marL="1657350" lvl="2" indent="-742950">
+              <a:buFont typeface="Arial" panose="020B0604020202020204" pitchFamily="34" charset="0"/>
+              <a:buChar char="•"/>
+            </a:pPr>
             <a:r>
               <a:rPr lang="fr-FR" sz="3600" dirty="0">
                 <a:solidFill>
@@ -4373,7 +4390,7 @@
                 </a:solidFill>
                 <a:latin typeface="Consolas" panose="020B0609020204030204" pitchFamily="49" charset="0"/>
               </a:rPr>
-              <a:t>	- Fonctions</a:t>
+              <a:t>Fonctions</a:t>
             </a:r>
           </a:p>
         </p:txBody>
@@ -4740,13 +4757,13 @@
   <p:clrMapOvr>
     <a:masterClrMapping/>
   </p:clrMapOvr>
-  <mc:AlternateContent xmlns:mc="http://schemas.openxmlformats.org/markup-compatibility/2006">
-    <mc:Choice xmlns:p159="http://schemas.microsoft.com/office/powerpoint/2015/09/main" Requires="p159">
+  <mc:AlternateContent xmlns:mc="http://schemas.openxmlformats.org/markup-compatibility/2006" xmlns:p159="http://schemas.microsoft.com/office/powerpoint/2015/09/main">
+    <mc:Choice Requires="p159">
       <p:transition xmlns:p14="http://schemas.microsoft.com/office/powerpoint/2010/main" spd="slow" p14:dur="2000">
         <p159:morph option="byObject"/>
       </p:transition>
     </mc:Choice>
-    <mc:Fallback>
+    <mc:Fallback xmlns="">
       <p:transition spd="slow">
         <p:fade/>
       </p:transition>
@@ -4968,33 +4985,15 @@
                                   </p:childTnLst>
                                 </p:cTn>
                               </p:par>
-                            </p:childTnLst>
-                          </p:cTn>
-                        </p:par>
-                      </p:childTnLst>
-                    </p:cTn>
-                  </p:par>
-                  <p:par>
-                    <p:cTn id="17" fill="hold">
-                      <p:stCondLst>
-                        <p:cond delay="indefinite"/>
-                      </p:stCondLst>
-                      <p:childTnLst>
-                        <p:par>
-                          <p:cTn id="18" fill="hold">
-                            <p:stCondLst>
-                              <p:cond delay="0"/>
-                            </p:stCondLst>
-                            <p:childTnLst>
                               <p:par>
-                                <p:cTn id="19" presetID="42" presetClass="entr" presetSubtype="0" fill="hold" grpId="0" nodeType="clickEffect">
+                                <p:cTn id="17" presetID="42" presetClass="entr" presetSubtype="0" fill="hold" grpId="0" nodeType="withEffect">
                                   <p:stCondLst>
                                     <p:cond delay="0"/>
                                   </p:stCondLst>
                                   <p:childTnLst>
                                     <p:set>
                                       <p:cBhvr>
-                                        <p:cTn id="20" dur="1" fill="hold">
+                                        <p:cTn id="18" dur="1" fill="hold">
                                           <p:stCondLst>
                                             <p:cond delay="0"/>
                                           </p:stCondLst>
@@ -5012,7 +5011,7 @@
                                     </p:set>
                                     <p:animEffect transition="in" filter="fade">
                                       <p:cBhvr>
-                                        <p:cTn id="21" dur="1000"/>
+                                        <p:cTn id="19" dur="1000"/>
                                         <p:tgtEl>
                                           <p:spTgt spid="12"/>
                                         </p:tgtEl>
@@ -5020,7 +5019,7 @@
                                     </p:animEffect>
                                     <p:anim calcmode="lin" valueType="num">
                                       <p:cBhvr>
-                                        <p:cTn id="22" dur="1000" fill="hold"/>
+                                        <p:cTn id="20" dur="1000" fill="hold"/>
                                         <p:tgtEl>
                                           <p:spTgt spid="12"/>
                                         </p:tgtEl>
@@ -5043,7 +5042,7 @@
                                     </p:anim>
                                     <p:anim calcmode="lin" valueType="num">
                                       <p:cBhvr>
-                                        <p:cTn id="23" dur="1000" fill="hold"/>
+                                        <p:cTn id="21" dur="1000" fill="hold"/>
                                         <p:tgtEl>
                                           <p:spTgt spid="12"/>
                                         </p:tgtEl>
@@ -5074,26 +5073,26 @@
                     </p:cTn>
                   </p:par>
                   <p:par>
-                    <p:cTn id="24" fill="hold">
+                    <p:cTn id="22" fill="hold">
                       <p:stCondLst>
                         <p:cond delay="indefinite"/>
                       </p:stCondLst>
                       <p:childTnLst>
                         <p:par>
-                          <p:cTn id="25" fill="hold">
+                          <p:cTn id="23" fill="hold">
                             <p:stCondLst>
                               <p:cond delay="0"/>
                             </p:stCondLst>
                             <p:childTnLst>
                               <p:par>
-                                <p:cTn id="26" presetID="42" presetClass="entr" presetSubtype="0" fill="hold" nodeType="clickEffect">
+                                <p:cTn id="24" presetID="42" presetClass="entr" presetSubtype="0" fill="hold" nodeType="clickEffect">
                                   <p:stCondLst>
                                     <p:cond delay="0"/>
                                   </p:stCondLst>
                                   <p:childTnLst>
                                     <p:set>
                                       <p:cBhvr>
-                                        <p:cTn id="27" dur="1" fill="hold">
+                                        <p:cTn id="25" dur="1" fill="hold">
                                           <p:stCondLst>
                                             <p:cond delay="0"/>
                                           </p:stCondLst>
@@ -5115,7 +5114,7 @@
                                     </p:set>
                                     <p:animEffect transition="in" filter="fade">
                                       <p:cBhvr>
-                                        <p:cTn id="28" dur="1000"/>
+                                        <p:cTn id="26" dur="1000"/>
                                         <p:tgtEl>
                                           <p:spTgt spid="12">
                                             <p:txEl>
@@ -5127,7 +5126,7 @@
                                     </p:animEffect>
                                     <p:anim calcmode="lin" valueType="num">
                                       <p:cBhvr>
-                                        <p:cTn id="29" dur="1000" fill="hold"/>
+                                        <p:cTn id="27" dur="1000" fill="hold"/>
                                         <p:tgtEl>
                                           <p:spTgt spid="12">
                                             <p:txEl>
@@ -5154,7 +5153,7 @@
                                     </p:anim>
                                     <p:anim calcmode="lin" valueType="num">
                                       <p:cBhvr>
-                                        <p:cTn id="30" dur="1000" fill="hold"/>
+                                        <p:cTn id="28" dur="1000" fill="hold"/>
                                         <p:tgtEl>
                                           <p:spTgt spid="12">
                                             <p:txEl>
@@ -5186,20 +5185,20 @@
                           </p:cTn>
                         </p:par>
                         <p:par>
-                          <p:cTn id="31" fill="hold">
+                          <p:cTn id="29" fill="hold">
                             <p:stCondLst>
                               <p:cond delay="1000"/>
                             </p:stCondLst>
                             <p:childTnLst>
                               <p:par>
-                                <p:cTn id="32" presetID="42" presetClass="entr" presetSubtype="0" fill="hold" nodeType="afterEffect">
+                                <p:cTn id="30" presetID="42" presetClass="entr" presetSubtype="0" fill="hold" nodeType="afterEffect">
                                   <p:stCondLst>
                                     <p:cond delay="0"/>
                                   </p:stCondLst>
                                   <p:childTnLst>
                                     <p:set>
                                       <p:cBhvr>
-                                        <p:cTn id="33" dur="1" fill="hold">
+                                        <p:cTn id="31" dur="1" fill="hold">
                                           <p:stCondLst>
                                             <p:cond delay="0"/>
                                           </p:stCondLst>
@@ -5221,7 +5220,7 @@
                                     </p:set>
                                     <p:animEffect transition="in" filter="fade">
                                       <p:cBhvr>
-                                        <p:cTn id="34" dur="1000"/>
+                                        <p:cTn id="32" dur="1000"/>
                                         <p:tgtEl>
                                           <p:spTgt spid="12">
                                             <p:txEl>
@@ -5233,7 +5232,7 @@
                                     </p:animEffect>
                                     <p:anim calcmode="lin" valueType="num">
                                       <p:cBhvr>
-                                        <p:cTn id="35" dur="1000" fill="hold"/>
+                                        <p:cTn id="33" dur="1000" fill="hold"/>
                                         <p:tgtEl>
                                           <p:spTgt spid="12">
                                             <p:txEl>
@@ -5260,7 +5259,7 @@
                                     </p:anim>
                                     <p:anim calcmode="lin" valueType="num">
                                       <p:cBhvr>
-                                        <p:cTn id="36" dur="1000" fill="hold"/>
+                                        <p:cTn id="34" dur="1000" fill="hold"/>
                                         <p:tgtEl>
                                           <p:spTgt spid="12">
                                             <p:txEl>
@@ -5295,26 +5294,26 @@
                     </p:cTn>
                   </p:par>
                   <p:par>
-                    <p:cTn id="37" fill="hold">
+                    <p:cTn id="35" fill="hold">
                       <p:stCondLst>
                         <p:cond delay="indefinite"/>
                       </p:stCondLst>
                       <p:childTnLst>
                         <p:par>
-                          <p:cTn id="38" fill="hold">
+                          <p:cTn id="36" fill="hold">
                             <p:stCondLst>
                               <p:cond delay="0"/>
                             </p:stCondLst>
                             <p:childTnLst>
                               <p:par>
-                                <p:cTn id="39" presetID="42" presetClass="entr" presetSubtype="0" fill="hold" nodeType="clickEffect">
+                                <p:cTn id="37" presetID="42" presetClass="entr" presetSubtype="0" fill="hold" nodeType="clickEffect">
                                   <p:stCondLst>
                                     <p:cond delay="0"/>
                                   </p:stCondLst>
                                   <p:childTnLst>
                                     <p:set>
                                       <p:cBhvr>
-                                        <p:cTn id="40" dur="1" fill="hold">
+                                        <p:cTn id="38" dur="1" fill="hold">
                                           <p:stCondLst>
                                             <p:cond delay="0"/>
                                           </p:stCondLst>
@@ -5336,7 +5335,7 @@
                                     </p:set>
                                     <p:animEffect transition="in" filter="fade">
                                       <p:cBhvr>
-                                        <p:cTn id="41" dur="1000"/>
+                                        <p:cTn id="39" dur="1000"/>
                                         <p:tgtEl>
                                           <p:spTgt spid="13">
                                             <p:txEl>
@@ -5348,7 +5347,7 @@
                                     </p:animEffect>
                                     <p:anim calcmode="lin" valueType="num">
                                       <p:cBhvr>
-                                        <p:cTn id="42" dur="1000" fill="hold"/>
+                                        <p:cTn id="40" dur="1000" fill="hold"/>
                                         <p:tgtEl>
                                           <p:spTgt spid="13">
                                             <p:txEl>
@@ -5375,7 +5374,7 @@
                                     </p:anim>
                                     <p:anim calcmode="lin" valueType="num">
                                       <p:cBhvr>
-                                        <p:cTn id="43" dur="1000" fill="hold"/>
+                                        <p:cTn id="41" dur="1000" fill="hold"/>
                                         <p:tgtEl>
                                           <p:spTgt spid="13">
                                             <p:txEl>
@@ -5410,26 +5409,26 @@
                     </p:cTn>
                   </p:par>
                   <p:par>
-                    <p:cTn id="44" fill="hold">
+                    <p:cTn id="42" fill="hold">
                       <p:stCondLst>
                         <p:cond delay="indefinite"/>
                       </p:stCondLst>
                       <p:childTnLst>
                         <p:par>
-                          <p:cTn id="45" fill="hold">
+                          <p:cTn id="43" fill="hold">
                             <p:stCondLst>
                               <p:cond delay="0"/>
                             </p:stCondLst>
                             <p:childTnLst>
                               <p:par>
-                                <p:cTn id="46" presetID="42" presetClass="entr" presetSubtype="0" fill="hold" nodeType="clickEffect">
+                                <p:cTn id="44" presetID="42" presetClass="entr" presetSubtype="0" fill="hold" nodeType="clickEffect">
                                   <p:stCondLst>
                                     <p:cond delay="0"/>
                                   </p:stCondLst>
                                   <p:childTnLst>
                                     <p:set>
                                       <p:cBhvr>
-                                        <p:cTn id="47" dur="1" fill="hold">
+                                        <p:cTn id="45" dur="1" fill="hold">
                                           <p:stCondLst>
                                             <p:cond delay="0"/>
                                           </p:stCondLst>
@@ -5451,7 +5450,7 @@
                                     </p:set>
                                     <p:animEffect transition="in" filter="fade">
                                       <p:cBhvr>
-                                        <p:cTn id="48" dur="1000"/>
+                                        <p:cTn id="46" dur="1000"/>
                                         <p:tgtEl>
                                           <p:spTgt spid="13">
                                             <p:txEl>
@@ -5463,7 +5462,7 @@
                                     </p:animEffect>
                                     <p:anim calcmode="lin" valueType="num">
                                       <p:cBhvr>
-                                        <p:cTn id="49" dur="1000" fill="hold"/>
+                                        <p:cTn id="47" dur="1000" fill="hold"/>
                                         <p:tgtEl>
                                           <p:spTgt spid="13">
                                             <p:txEl>
@@ -5490,7 +5489,7 @@
                                     </p:anim>
                                     <p:anim calcmode="lin" valueType="num">
                                       <p:cBhvr>
-                                        <p:cTn id="50" dur="1000" fill="hold"/>
+                                        <p:cTn id="48" dur="1000" fill="hold"/>
                                         <p:tgtEl>
                                           <p:spTgt spid="13">
                                             <p:txEl>
@@ -5519,14 +5518,14 @@
                                 </p:cTn>
                               </p:par>
                               <p:par>
-                                <p:cTn id="51" presetID="42" presetClass="entr" presetSubtype="0" fill="hold" nodeType="withEffect">
+                                <p:cTn id="49" presetID="42" presetClass="entr" presetSubtype="0" fill="hold" nodeType="withEffect">
                                   <p:stCondLst>
                                     <p:cond delay="0"/>
                                   </p:stCondLst>
                                   <p:childTnLst>
                                     <p:set>
                                       <p:cBhvr>
-                                        <p:cTn id="52" dur="1" fill="hold">
+                                        <p:cTn id="50" dur="1" fill="hold">
                                           <p:stCondLst>
                                             <p:cond delay="0"/>
                                           </p:stCondLst>
@@ -5548,7 +5547,7 @@
                                     </p:set>
                                     <p:animEffect transition="in" filter="fade">
                                       <p:cBhvr>
-                                        <p:cTn id="53" dur="1000"/>
+                                        <p:cTn id="51" dur="1000"/>
                                         <p:tgtEl>
                                           <p:spTgt spid="13">
                                             <p:txEl>
@@ -5560,7 +5559,7 @@
                                     </p:animEffect>
                                     <p:anim calcmode="lin" valueType="num">
                                       <p:cBhvr>
-                                        <p:cTn id="54" dur="1000" fill="hold"/>
+                                        <p:cTn id="52" dur="1000" fill="hold"/>
                                         <p:tgtEl>
                                           <p:spTgt spid="13">
                                             <p:txEl>
@@ -5587,7 +5586,7 @@
                                     </p:anim>
                                     <p:anim calcmode="lin" valueType="num">
                                       <p:cBhvr>
-                                        <p:cTn id="55" dur="1000" fill="hold"/>
+                                        <p:cTn id="53" dur="1000" fill="hold"/>
                                         <p:tgtEl>
                                           <p:spTgt spid="13">
                                             <p:txEl>
@@ -5616,14 +5615,14 @@
                                 </p:cTn>
                               </p:par>
                               <p:par>
-                                <p:cTn id="56" presetID="42" presetClass="entr" presetSubtype="0" fill="hold" nodeType="withEffect">
+                                <p:cTn id="54" presetID="42" presetClass="entr" presetSubtype="0" fill="hold" nodeType="withEffect">
                                   <p:stCondLst>
                                     <p:cond delay="0"/>
                                   </p:stCondLst>
                                   <p:childTnLst>
                                     <p:set>
                                       <p:cBhvr>
-                                        <p:cTn id="57" dur="1" fill="hold">
+                                        <p:cTn id="55" dur="1" fill="hold">
                                           <p:stCondLst>
                                             <p:cond delay="0"/>
                                           </p:stCondLst>
@@ -5645,7 +5644,7 @@
                                     </p:set>
                                     <p:animEffect transition="in" filter="fade">
                                       <p:cBhvr>
-                                        <p:cTn id="58" dur="1000"/>
+                                        <p:cTn id="56" dur="1000"/>
                                         <p:tgtEl>
                                           <p:spTgt spid="13">
                                             <p:txEl>
@@ -5657,7 +5656,7 @@
                                     </p:animEffect>
                                     <p:anim calcmode="lin" valueType="num">
                                       <p:cBhvr>
-                                        <p:cTn id="59" dur="1000" fill="hold"/>
+                                        <p:cTn id="57" dur="1000" fill="hold"/>
                                         <p:tgtEl>
                                           <p:spTgt spid="13">
                                             <p:txEl>
@@ -5684,7 +5683,7 @@
                                     </p:anim>
                                     <p:anim calcmode="lin" valueType="num">
                                       <p:cBhvr>
-                                        <p:cTn id="60" dur="1000" fill="hold"/>
+                                        <p:cTn id="58" dur="1000" fill="hold"/>
                                         <p:tgtEl>
                                           <p:spTgt spid="13">
                                             <p:txEl>
@@ -6541,13 +6540,13 @@
   <p:clrMapOvr>
     <a:masterClrMapping/>
   </p:clrMapOvr>
-  <mc:AlternateContent xmlns:mc="http://schemas.openxmlformats.org/markup-compatibility/2006">
-    <mc:Choice xmlns:p159="http://schemas.microsoft.com/office/powerpoint/2015/09/main" Requires="p159">
+  <mc:AlternateContent xmlns:mc="http://schemas.openxmlformats.org/markup-compatibility/2006" xmlns:p159="http://schemas.microsoft.com/office/powerpoint/2015/09/main">
+    <mc:Choice Requires="p159">
       <p:transition xmlns:p14="http://schemas.microsoft.com/office/powerpoint/2010/main" spd="slow" p14:dur="2000">
         <p159:morph option="byObject"/>
       </p:transition>
     </mc:Choice>
-    <mc:Fallback>
+    <mc:Fallback xmlns="">
       <p:transition spd="slow">
         <p:fade/>
       </p:transition>
@@ -7128,13 +7127,13 @@
   <p:clrMapOvr>
     <a:masterClrMapping/>
   </p:clrMapOvr>
-  <mc:AlternateContent xmlns:mc="http://schemas.openxmlformats.org/markup-compatibility/2006">
-    <mc:Choice xmlns:p159="http://schemas.microsoft.com/office/powerpoint/2015/09/main" Requires="p159">
+  <mc:AlternateContent xmlns:mc="http://schemas.openxmlformats.org/markup-compatibility/2006" xmlns:p159="http://schemas.microsoft.com/office/powerpoint/2015/09/main">
+    <mc:Choice Requires="p159">
       <p:transition xmlns:p14="http://schemas.microsoft.com/office/powerpoint/2010/main" spd="slow" p14:dur="2000">
         <p159:morph option="byObject"/>
       </p:transition>
     </mc:Choice>
-    <mc:Fallback>
+    <mc:Fallback xmlns="">
       <p:transition spd="slow">
         <p:fade/>
       </p:transition>
@@ -7604,8 +7603,8 @@
         </p:nvSpPr>
         <p:spPr bwMode="auto">
           <a:xfrm>
-            <a:off x="232229" y="191777"/>
-            <a:ext cx="12192000" cy="6186309"/>
+            <a:off x="113357" y="128096"/>
+            <a:ext cx="12192000" cy="6601807"/>
           </a:xfrm>
           <a:prstGeom prst="rect">
             <a:avLst/>
@@ -8066,6 +8065,43 @@
             </a:r>
           </a:p>
           <a:p>
+            <a:pPr lvl="1" eaLnBrk="0" fontAlgn="base" hangingPunct="0">
+              <a:lnSpc>
+                <a:spcPct val="150000"/>
+              </a:lnSpc>
+              <a:spcBef>
+                <a:spcPct val="0"/>
+              </a:spcBef>
+              <a:spcAft>
+                <a:spcPct val="0"/>
+              </a:spcAft>
+              <a:buFontTx/>
+              <a:buChar char="•"/>
+            </a:pPr>
+            <a:r>
+              <a:rPr lang="fr-FR" altLang="fr-FR" b="1" dirty="0">
+                <a:latin typeface="Consolas" panose="020B0609020204030204" pitchFamily="49" charset="0"/>
+              </a:rPr>
+              <a:t>Manque de fonctions : </a:t>
+            </a:r>
+            <a:r>
+              <a:rPr lang="fr-FR" altLang="fr-FR" dirty="0">
+                <a:latin typeface="Consolas" panose="020B0609020204030204" pitchFamily="49" charset="0"/>
+              </a:rPr>
+              <a:t>Pas assez de fonctions utilisées dans mon algorithme.</a:t>
+            </a:r>
+            <a:endParaRPr kumimoji="0" lang="fr-FR" altLang="fr-FR" b="0" i="0" u="none" strike="noStrike" cap="none" normalizeH="0" baseline="0" dirty="0">
+              <a:ln>
+                <a:noFill/>
+              </a:ln>
+              <a:solidFill>
+                <a:schemeClr val="tx1"/>
+              </a:solidFill>
+              <a:effectLst/>
+              <a:latin typeface="Consolas" panose="020B0609020204030204" pitchFamily="49" charset="0"/>
+            </a:endParaRPr>
+          </a:p>
+          <a:p>
             <a:pPr marL="0" marR="0" lvl="0" indent="0" algn="l" defTabSz="914400" rtl="0" eaLnBrk="0" fontAlgn="base" latinLnBrk="0" hangingPunct="0">
               <a:lnSpc>
                 <a:spcPct val="100000"/>
@@ -8105,13 +8141,13 @@
   <p:clrMapOvr>
     <a:masterClrMapping/>
   </p:clrMapOvr>
-  <mc:AlternateContent xmlns:mc="http://schemas.openxmlformats.org/markup-compatibility/2006">
-    <mc:Choice xmlns:p159="http://schemas.microsoft.com/office/powerpoint/2015/09/main" Requires="p159">
+  <mc:AlternateContent xmlns:mc="http://schemas.openxmlformats.org/markup-compatibility/2006" xmlns:p159="http://schemas.microsoft.com/office/powerpoint/2015/09/main">
+    <mc:Choice Requires="p159">
       <p:transition xmlns:p14="http://schemas.microsoft.com/office/powerpoint/2010/main" spd="slow" p14:dur="2000">
         <p159:morph option="byObject"/>
       </p:transition>
     </mc:Choice>
-    <mc:Fallback>
+    <mc:Fallback xmlns="">
       <p:transition spd="slow">
         <p:fade/>
       </p:transition>
@@ -8129,6 +8165,9 @@
                     <p:cTn id="3" fill="hold">
                       <p:stCondLst>
                         <p:cond delay="indefinite"/>
+                        <p:cond evt="onBegin" delay="0">
+                          <p:tn val="2"/>
+                        </p:cond>
                       </p:stCondLst>
                       <p:childTnLst>
                         <p:par>
@@ -8138,7 +8177,7 @@
                             </p:stCondLst>
                             <p:childTnLst>
                               <p:par>
-                                <p:cTn id="5" presetID="42" presetClass="entr" presetSubtype="0" fill="hold" nodeType="clickEffect">
+                                <p:cTn id="5" presetID="42" presetClass="entr" presetSubtype="0" fill="hold" nodeType="withEffect">
                                   <p:stCondLst>
                                     <p:cond delay="0"/>
                                   </p:stCondLst>
@@ -9218,6 +9257,112 @@
                             </p:childTnLst>
                           </p:cTn>
                         </p:par>
+                        <p:par>
+                          <p:cTn id="67" fill="hold">
+                            <p:stCondLst>
+                              <p:cond delay="2000"/>
+                            </p:stCondLst>
+                            <p:childTnLst>
+                              <p:par>
+                                <p:cTn id="68" presetID="42" presetClass="entr" presetSubtype="0" fill="hold" nodeType="afterEffect">
+                                  <p:stCondLst>
+                                    <p:cond delay="0"/>
+                                  </p:stCondLst>
+                                  <p:childTnLst>
+                                    <p:set>
+                                      <p:cBhvr>
+                                        <p:cTn id="69" dur="1" fill="hold">
+                                          <p:stCondLst>
+                                            <p:cond delay="0"/>
+                                          </p:stCondLst>
+                                        </p:cTn>
+                                        <p:tgtEl>
+                                          <p:spTgt spid="8">
+                                            <p:txEl>
+                                              <p:pRg st="10" end="10"/>
+                                            </p:txEl>
+                                          </p:spTgt>
+                                        </p:tgtEl>
+                                        <p:attrNameLst>
+                                          <p:attrName>style.visibility</p:attrName>
+                                        </p:attrNameLst>
+                                      </p:cBhvr>
+                                      <p:to>
+                                        <p:strVal val="visible"/>
+                                      </p:to>
+                                    </p:set>
+                                    <p:animEffect transition="in" filter="fade">
+                                      <p:cBhvr>
+                                        <p:cTn id="70" dur="1000"/>
+                                        <p:tgtEl>
+                                          <p:spTgt spid="8">
+                                            <p:txEl>
+                                              <p:pRg st="10" end="10"/>
+                                            </p:txEl>
+                                          </p:spTgt>
+                                        </p:tgtEl>
+                                      </p:cBhvr>
+                                    </p:animEffect>
+                                    <p:anim calcmode="lin" valueType="num">
+                                      <p:cBhvr>
+                                        <p:cTn id="71" dur="1000" fill="hold"/>
+                                        <p:tgtEl>
+                                          <p:spTgt spid="8">
+                                            <p:txEl>
+                                              <p:pRg st="10" end="10"/>
+                                            </p:txEl>
+                                          </p:spTgt>
+                                        </p:tgtEl>
+                                        <p:attrNameLst>
+                                          <p:attrName>ppt_x</p:attrName>
+                                        </p:attrNameLst>
+                                      </p:cBhvr>
+                                      <p:tavLst>
+                                        <p:tav tm="0">
+                                          <p:val>
+                                            <p:strVal val="#ppt_x"/>
+                                          </p:val>
+                                        </p:tav>
+                                        <p:tav tm="100000">
+                                          <p:val>
+                                            <p:strVal val="#ppt_x"/>
+                                          </p:val>
+                                        </p:tav>
+                                      </p:tavLst>
+                                    </p:anim>
+                                    <p:anim calcmode="lin" valueType="num">
+                                      <p:cBhvr>
+                                        <p:cTn id="72" dur="1000" fill="hold"/>
+                                        <p:tgtEl>
+                                          <p:spTgt spid="8">
+                                            <p:txEl>
+                                              <p:pRg st="10" end="10"/>
+                                            </p:txEl>
+                                          </p:spTgt>
+                                        </p:tgtEl>
+                                        <p:attrNameLst>
+                                          <p:attrName>ppt_y</p:attrName>
+                                        </p:attrNameLst>
+                                      </p:cBhvr>
+                                      <p:tavLst>
+                                        <p:tav tm="0">
+                                          <p:val>
+                                            <p:strVal val="#ppt_y+.1"/>
+                                          </p:val>
+                                        </p:tav>
+                                        <p:tav tm="100000">
+                                          <p:val>
+                                            <p:strVal val="#ppt_y"/>
+                                          </p:val>
+                                        </p:tav>
+                                      </p:tavLst>
+                                    </p:anim>
+                                  </p:childTnLst>
+                                </p:cTn>
+                              </p:par>
+                            </p:childTnLst>
+                          </p:cTn>
+                        </p:par>
                       </p:childTnLst>
                     </p:cTn>
                   </p:par>
